--- a/Daily Agendas/Day03.4_BasicCircuitAnalysis.pptx
+++ b/Daily Agendas/Day03.4_BasicCircuitAnalysis.pptx
@@ -303,7 +303,7 @@
             <a:fld id="{1D8BD707-D9CF-40AE-B4C6-C98DA3205C09}" type="datetimeFigureOut">
               <a:rPr lang="en-US" smtClean="0"/>
               <a:pPr/>
-              <a:t>2/14/2020</a:t>
+              <a:t>2/19/2020</a:t>
             </a:fld>
             <a:endParaRPr lang="en-US"/>
           </a:p>
@@ -468,7 +468,7 @@
             <a:fld id="{1D8BD707-D9CF-40AE-B4C6-C98DA3205C09}" type="datetimeFigureOut">
               <a:rPr lang="en-US" smtClean="0"/>
               <a:pPr/>
-              <a:t>2/14/2020</a:t>
+              <a:t>2/19/2020</a:t>
             </a:fld>
             <a:endParaRPr lang="en-US"/>
           </a:p>
@@ -643,7 +643,7 @@
             <a:fld id="{1D8BD707-D9CF-40AE-B4C6-C98DA3205C09}" type="datetimeFigureOut">
               <a:rPr lang="en-US" smtClean="0"/>
               <a:pPr/>
-              <a:t>2/14/2020</a:t>
+              <a:t>2/19/2020</a:t>
             </a:fld>
             <a:endParaRPr lang="en-US"/>
           </a:p>
@@ -808,7 +808,7 @@
             <a:fld id="{1D8BD707-D9CF-40AE-B4C6-C98DA3205C09}" type="datetimeFigureOut">
               <a:rPr lang="en-US" smtClean="0"/>
               <a:pPr/>
-              <a:t>2/14/2020</a:t>
+              <a:t>2/19/2020</a:t>
             </a:fld>
             <a:endParaRPr lang="en-US"/>
           </a:p>
@@ -1050,7 +1050,7 @@
             <a:fld id="{1D8BD707-D9CF-40AE-B4C6-C98DA3205C09}" type="datetimeFigureOut">
               <a:rPr lang="en-US" smtClean="0"/>
               <a:pPr/>
-              <a:t>2/14/2020</a:t>
+              <a:t>2/19/2020</a:t>
             </a:fld>
             <a:endParaRPr lang="en-US"/>
           </a:p>
@@ -1332,7 +1332,7 @@
             <a:fld id="{1D8BD707-D9CF-40AE-B4C6-C98DA3205C09}" type="datetimeFigureOut">
               <a:rPr lang="en-US" smtClean="0"/>
               <a:pPr/>
-              <a:t>2/14/2020</a:t>
+              <a:t>2/19/2020</a:t>
             </a:fld>
             <a:endParaRPr lang="en-US"/>
           </a:p>
@@ -1748,7 +1748,7 @@
             <a:fld id="{1D8BD707-D9CF-40AE-B4C6-C98DA3205C09}" type="datetimeFigureOut">
               <a:rPr lang="en-US" smtClean="0"/>
               <a:pPr/>
-              <a:t>2/14/2020</a:t>
+              <a:t>2/19/2020</a:t>
             </a:fld>
             <a:endParaRPr lang="en-US"/>
           </a:p>
@@ -1862,7 +1862,7 @@
             <a:fld id="{1D8BD707-D9CF-40AE-B4C6-C98DA3205C09}" type="datetimeFigureOut">
               <a:rPr lang="en-US" smtClean="0"/>
               <a:pPr/>
-              <a:t>2/14/2020</a:t>
+              <a:t>2/19/2020</a:t>
             </a:fld>
             <a:endParaRPr lang="en-US"/>
           </a:p>
@@ -1954,7 +1954,7 @@
             <a:fld id="{1D8BD707-D9CF-40AE-B4C6-C98DA3205C09}" type="datetimeFigureOut">
               <a:rPr lang="en-US" smtClean="0"/>
               <a:pPr/>
-              <a:t>2/14/2020</a:t>
+              <a:t>2/19/2020</a:t>
             </a:fld>
             <a:endParaRPr lang="en-US"/>
           </a:p>
@@ -2226,7 +2226,7 @@
             <a:fld id="{1D8BD707-D9CF-40AE-B4C6-C98DA3205C09}" type="datetimeFigureOut">
               <a:rPr lang="en-US" smtClean="0"/>
               <a:pPr/>
-              <a:t>2/14/2020</a:t>
+              <a:t>2/19/2020</a:t>
             </a:fld>
             <a:endParaRPr lang="en-US"/>
           </a:p>
@@ -2475,7 +2475,7 @@
             <a:fld id="{1D8BD707-D9CF-40AE-B4C6-C98DA3205C09}" type="datetimeFigureOut">
               <a:rPr lang="en-US" smtClean="0"/>
               <a:pPr/>
-              <a:t>2/14/2020</a:t>
+              <a:t>2/19/2020</a:t>
             </a:fld>
             <a:endParaRPr lang="en-US"/>
           </a:p>
@@ -2683,7 +2683,7 @@
             <a:fld id="{1D8BD707-D9CF-40AE-B4C6-C98DA3205C09}" type="datetimeFigureOut">
               <a:rPr lang="en-US" smtClean="0"/>
               <a:pPr/>
-              <a:t>2/14/2020</a:t>
+              <a:t>2/19/2020</a:t>
             </a:fld>
             <a:endParaRPr lang="en-US"/>
           </a:p>
@@ -3073,7 +3073,7 @@
           <a:p>
             <a:r>
               <a:rPr lang="en-US" dirty="0" smtClean="0"/>
-              <a:t>Ohm's Law Lab – </a:t>
+              <a:t>Basic Circuit Analysis – </a:t>
             </a:r>
             <a:r>
               <a:rPr lang="en-US" dirty="0" smtClean="0"/>
@@ -3081,7 +3081,7 @@
             </a:r>
             <a:r>
               <a:rPr lang="en-US" dirty="0" smtClean="0"/>
-              <a:t>18</a:t>
+              <a:t>20</a:t>
             </a:r>
             <a:r>
               <a:rPr lang="en-US" dirty="0"/>
@@ -3096,7 +3096,7 @@
             </a:r>
             <a:r>
               <a:rPr lang="en-US" sz="3600" dirty="0" smtClean="0"/>
-              <a:t>09)</a:t>
+              <a:t>10)</a:t>
             </a:r>
             <a:endParaRPr lang="en-US" sz="3600" dirty="0"/>
           </a:p>
@@ -3127,7 +3127,7 @@
           <a:p>
             <a:pPr lvl="1"/>
             <a:r>
-              <a:rPr lang="en-US" sz="2600" smtClean="0"/>
+              <a:rPr lang="en-US" sz="2600" dirty="0" smtClean="0"/>
               <a:t>Ohm's Law</a:t>
             </a:r>
             <a:endParaRPr lang="en-US" sz="2600" dirty="0"/>
@@ -3136,9 +3136,29 @@
             <a:pPr lvl="2"/>
             <a:r>
               <a:rPr lang="en-CA" sz="2200" dirty="0" smtClean="0"/>
-              <a:t>Discussion: Relationship Between Variables</a:t>
+              <a:t>Presentation: Ohm's Law Review</a:t>
             </a:r>
             <a:endParaRPr lang="en-CA" sz="2200" dirty="0"/>
+          </a:p>
+          <a:p>
+            <a:pPr lvl="2"/>
+            <a:r>
+              <a:rPr lang="en-CA" sz="2200" dirty="0" smtClean="0"/>
+              <a:t>HW: </a:t>
+            </a:r>
+            <a:r>
+              <a:rPr lang="en-US" sz="2200" dirty="0" smtClean="0"/>
+              <a:t>Ohm's Law Calculations</a:t>
+            </a:r>
+            <a:endParaRPr lang="en-CA" sz="2200" dirty="0"/>
+          </a:p>
+          <a:p>
+            <a:pPr lvl="1"/>
+            <a:r>
+              <a:rPr lang="en-US" sz="2600" dirty="0" smtClean="0"/>
+              <a:t>Equivalent Resistance</a:t>
+            </a:r>
+            <a:endParaRPr lang="en-US" sz="2600" dirty="0" smtClean="0"/>
           </a:p>
           <a:p>
             <a:pPr lvl="2"/>
@@ -3147,39 +3167,18 @@
               <a:t>Presentation: </a:t>
             </a:r>
             <a:r>
-              <a:rPr lang="en-US" sz="2200" dirty="0" smtClean="0"/>
-              <a:t>Graphing Skills</a:t>
-            </a:r>
-            <a:endParaRPr lang="en-CA" sz="2200" dirty="0"/>
-          </a:p>
-          <a:p>
-            <a:pPr lvl="1"/>
-            <a:r>
-              <a:rPr lang="en-US" sz="2600" dirty="0" smtClean="0"/>
-              <a:t>Electric Circuits Review</a:t>
-            </a:r>
+              <a:rPr lang="en-CA" sz="2200" dirty="0" smtClean="0"/>
+              <a:t>Kirchhoff's Laws</a:t>
+            </a:r>
+            <a:endParaRPr lang="en-CA" sz="2200" dirty="0" smtClean="0"/>
           </a:p>
           <a:p>
             <a:pPr lvl="2"/>
             <a:r>
               <a:rPr lang="en-CA" sz="2200" dirty="0" smtClean="0"/>
-              <a:t>Presentation: Electrical Circuits Introduction</a:t>
-            </a:r>
-          </a:p>
-          <a:p>
-            <a:pPr lvl="2"/>
-            <a:r>
-              <a:rPr lang="en-CA" sz="2200" dirty="0" smtClean="0"/>
-              <a:t>Activity: </a:t>
-            </a:r>
-            <a:r>
-              <a:rPr lang="en-CA" sz="2200" dirty="0" err="1" smtClean="0"/>
-              <a:t>PhET</a:t>
-            </a:r>
-            <a:r>
-              <a:rPr lang="en-CA" sz="2200" dirty="0" smtClean="0"/>
-              <a:t> Circuits Review</a:t>
-            </a:r>
+              <a:t>HW: Equivalent Resistance Worksheet</a:t>
+            </a:r>
+            <a:endParaRPr lang="en-CA" sz="2200" dirty="0" smtClean="0"/>
           </a:p>
           <a:p>
             <a:pPr lvl="1">
@@ -3197,7 +3196,19 @@
             <a:pPr lvl="1"/>
             <a:r>
               <a:rPr lang="en-US" sz="2400" dirty="0" smtClean="0"/>
-              <a:t>Monday: Ohm's Law Lab (Rescheduled)</a:t>
+              <a:t>Wed, Feb 26</a:t>
+            </a:r>
+            <a:r>
+              <a:rPr lang="en-US" sz="2400" baseline="30000" dirty="0" smtClean="0"/>
+              <a:t>th</a:t>
+            </a:r>
+            <a:r>
+              <a:rPr lang="en-US" sz="2400" dirty="0" smtClean="0"/>
+              <a:t> : Ohm's Law Lab DUE (Full </a:t>
+            </a:r>
+            <a:r>
+              <a:rPr lang="en-US" sz="2400" smtClean="0"/>
+              <a:t>Lab Report)</a:t>
             </a:r>
             <a:endParaRPr lang="en-US" sz="2400" dirty="0"/>
           </a:p>
